--- a/ITI/TF/Volume1/media/Figure_10.4.7-1.pptx
+++ b/ITI/TF/Volume1/media/Figure_10.4.7-1.pptx
@@ -104,6 +104,11 @@
       </a:defRPr>
     </a:lvl9pPr>
   </p:defaultTextStyle>
+  <p:extLst>
+    <p:ext uri="{EFAFB233-063F-42B5-8137-9DF3F51BA10A}">
+      <p15:sldGuideLst xmlns:p15="http://schemas.microsoft.com/office/powerpoint/2012/main"/>
+    </p:ext>
+  </p:extLst>
 </p:presentation>
 </file>
 
@@ -254,7 +259,7 @@
           <a:p>
             <a:fld id="{DED53189-889E-474D-99E7-C0214EE5905F}" type="datetimeFigureOut">
               <a:rPr lang="en-US" smtClean="0"/>
-              <a:t>8/10/20</a:t>
+              <a:t>8/26/20</a:t>
             </a:fld>
             <a:endParaRPr lang="en-US"/>
           </a:p>
@@ -452,7 +457,7 @@
           <a:p>
             <a:fld id="{DED53189-889E-474D-99E7-C0214EE5905F}" type="datetimeFigureOut">
               <a:rPr lang="en-US" smtClean="0"/>
-              <a:t>8/10/20</a:t>
+              <a:t>8/26/20</a:t>
             </a:fld>
             <a:endParaRPr lang="en-US"/>
           </a:p>
@@ -660,7 +665,7 @@
           <a:p>
             <a:fld id="{DED53189-889E-474D-99E7-C0214EE5905F}" type="datetimeFigureOut">
               <a:rPr lang="en-US" smtClean="0"/>
-              <a:t>8/10/20</a:t>
+              <a:t>8/26/20</a:t>
             </a:fld>
             <a:endParaRPr lang="en-US"/>
           </a:p>
@@ -858,7 +863,7 @@
           <a:p>
             <a:fld id="{DED53189-889E-474D-99E7-C0214EE5905F}" type="datetimeFigureOut">
               <a:rPr lang="en-US" smtClean="0"/>
-              <a:t>8/10/20</a:t>
+              <a:t>8/26/20</a:t>
             </a:fld>
             <a:endParaRPr lang="en-US"/>
           </a:p>
@@ -1133,7 +1138,7 @@
           <a:p>
             <a:fld id="{DED53189-889E-474D-99E7-C0214EE5905F}" type="datetimeFigureOut">
               <a:rPr lang="en-US" smtClean="0"/>
-              <a:t>8/10/20</a:t>
+              <a:t>8/26/20</a:t>
             </a:fld>
             <a:endParaRPr lang="en-US"/>
           </a:p>
@@ -1398,7 +1403,7 @@
           <a:p>
             <a:fld id="{DED53189-889E-474D-99E7-C0214EE5905F}" type="datetimeFigureOut">
               <a:rPr lang="en-US" smtClean="0"/>
-              <a:t>8/10/20</a:t>
+              <a:t>8/26/20</a:t>
             </a:fld>
             <a:endParaRPr lang="en-US"/>
           </a:p>
@@ -1810,7 +1815,7 @@
           <a:p>
             <a:fld id="{DED53189-889E-474D-99E7-C0214EE5905F}" type="datetimeFigureOut">
               <a:rPr lang="en-US" smtClean="0"/>
-              <a:t>8/10/20</a:t>
+              <a:t>8/26/20</a:t>
             </a:fld>
             <a:endParaRPr lang="en-US"/>
           </a:p>
@@ -1951,7 +1956,7 @@
           <a:p>
             <a:fld id="{DED53189-889E-474D-99E7-C0214EE5905F}" type="datetimeFigureOut">
               <a:rPr lang="en-US" smtClean="0"/>
-              <a:t>8/10/20</a:t>
+              <a:t>8/26/20</a:t>
             </a:fld>
             <a:endParaRPr lang="en-US"/>
           </a:p>
@@ -2064,7 +2069,7 @@
           <a:p>
             <a:fld id="{DED53189-889E-474D-99E7-C0214EE5905F}" type="datetimeFigureOut">
               <a:rPr lang="en-US" smtClean="0"/>
-              <a:t>8/10/20</a:t>
+              <a:t>8/26/20</a:t>
             </a:fld>
             <a:endParaRPr lang="en-US"/>
           </a:p>
@@ -2375,7 +2380,7 @@
           <a:p>
             <a:fld id="{DED53189-889E-474D-99E7-C0214EE5905F}" type="datetimeFigureOut">
               <a:rPr lang="en-US" smtClean="0"/>
-              <a:t>8/10/20</a:t>
+              <a:t>8/26/20</a:t>
             </a:fld>
             <a:endParaRPr lang="en-US"/>
           </a:p>
@@ -2663,7 +2668,7 @@
           <a:p>
             <a:fld id="{DED53189-889E-474D-99E7-C0214EE5905F}" type="datetimeFigureOut">
               <a:rPr lang="en-US" smtClean="0"/>
-              <a:t>8/10/20</a:t>
+              <a:t>8/26/20</a:t>
             </a:fld>
             <a:endParaRPr lang="en-US"/>
           </a:p>
@@ -2904,7 +2909,7 @@
           <a:p>
             <a:fld id="{DED53189-889E-474D-99E7-C0214EE5905F}" type="datetimeFigureOut">
               <a:rPr lang="en-US" smtClean="0"/>
-              <a:t>8/10/20</a:t>
+              <a:t>8/26/20</a:t>
             </a:fld>
             <a:endParaRPr lang="en-US"/>
           </a:p>
@@ -3379,20 +3384,7 @@
               <a:buNone/>
               <a:tabLst/>
             </a:pPr>
-            <a:r>
-              <a:rPr kumimoji="0" lang="en-US" altLang="en-US" sz="1400" b="1" i="0" u="none" strike="noStrike" cap="none" normalizeH="0" baseline="0">
-                <a:ln>
-                  <a:noFill/>
-                </a:ln>
-                <a:solidFill>
-                  <a:schemeClr val="tx1"/>
-                </a:solidFill>
-                <a:effectLst/>
-                <a:latin typeface="Times New Roman" panose="02020603050405020304" pitchFamily="18" charset="0"/>
-              </a:rPr>
-              <a:t>XDS Document Entry</a:t>
-            </a:r>
-            <a:endParaRPr kumimoji="0" lang="fr-FR" altLang="en-US" sz="1400" b="1" i="0" u="none" strike="noStrike" cap="none" normalizeH="0" baseline="0">
+            <a:endParaRPr kumimoji="0" lang="en-US" altLang="en-US" sz="1400" b="1" i="0" u="none" strike="noStrike" cap="none" normalizeH="0" baseline="0">
               <a:ln>
                 <a:noFill/>
               </a:ln>
@@ -3401,6 +3393,50 @@
               </a:solidFill>
               <a:effectLst/>
               <a:latin typeface="Times New Roman" panose="02020603050405020304" pitchFamily="18" charset="0"/>
+              <a:cs typeface="Times New Roman" panose="02020603050405020304" pitchFamily="18" charset="0"/>
+            </a:endParaRPr>
+          </a:p>
+          <a:p>
+            <a:pPr marL="0" marR="0" lvl="0" indent="0" algn="ctr" defTabSz="914400" rtl="0" eaLnBrk="0" fontAlgn="base" latinLnBrk="0" hangingPunct="0">
+              <a:lnSpc>
+                <a:spcPct val="100000"/>
+              </a:lnSpc>
+              <a:spcBef>
+                <a:spcPct val="0"/>
+              </a:spcBef>
+              <a:spcAft>
+                <a:spcPct val="0"/>
+              </a:spcAft>
+              <a:buClrTx/>
+              <a:buSzTx/>
+              <a:buFontTx/>
+              <a:buNone/>
+              <a:tabLst/>
+            </a:pPr>
+            <a:r>
+              <a:rPr kumimoji="0" lang="en-US" altLang="en-US" sz="1400" b="1" i="0" u="none" strike="noStrike" cap="none" normalizeH="0" baseline="0">
+                <a:ln>
+                  <a:noFill/>
+                </a:ln>
+                <a:solidFill>
+                  <a:schemeClr val="tx1"/>
+                </a:solidFill>
+                <a:effectLst/>
+                <a:latin typeface="Times New Roman" panose="02020603050405020304" pitchFamily="18" charset="0"/>
+                <a:cs typeface="Times New Roman" panose="02020603050405020304" pitchFamily="18" charset="0"/>
+              </a:rPr>
+              <a:t>XDS Document Entry</a:t>
+            </a:r>
+            <a:endParaRPr kumimoji="0" lang="fr-FR" altLang="en-US" sz="1400" b="1" i="0" u="none" strike="noStrike" cap="none" normalizeH="0" baseline="0" dirty="0">
+              <a:ln>
+                <a:noFill/>
+              </a:ln>
+              <a:solidFill>
+                <a:schemeClr val="tx1"/>
+              </a:solidFill>
+              <a:effectLst/>
+              <a:latin typeface="Times New Roman" panose="02020603050405020304" pitchFamily="18" charset="0"/>
+              <a:cs typeface="Times New Roman" panose="02020603050405020304" pitchFamily="18" charset="0"/>
             </a:endParaRPr>
           </a:p>
           <a:p>
@@ -3420,7 +3456,7 @@
               <a:buNone/>
               <a:tabLst/>
             </a:pPr>
-            <a:endParaRPr kumimoji="0" lang="fr-FR" altLang="en-US" sz="1800" b="0" i="0" u="none" strike="noStrike" cap="none" normalizeH="0" baseline="0">
+            <a:endParaRPr kumimoji="0" lang="fr-FR" altLang="en-US" sz="1800" b="0" i="0" u="none" strike="noStrike" cap="none" normalizeH="0" baseline="0" dirty="0">
               <a:ln>
                 <a:noFill/>
               </a:ln>
@@ -3428,7 +3464,8 @@
                 <a:schemeClr val="tx1"/>
               </a:solidFill>
               <a:effectLst/>
-              <a:latin typeface="Arial" panose="020B0604020202020204" pitchFamily="34" charset="0"/>
+              <a:latin typeface="Times New Roman" panose="02020603050405020304" pitchFamily="18" charset="0"/>
+              <a:cs typeface="Times New Roman" panose="02020603050405020304" pitchFamily="18" charset="0"/>
             </a:endParaRPr>
           </a:p>
         </p:txBody>
@@ -3500,7 +3537,9 @@
                   <a:schemeClr val="tx1"/>
                 </a:solidFill>
                 <a:effectLst/>
+                <a:latin typeface="Times New Roman" panose="02020603050405020304" pitchFamily="18" charset="0"/>
                 <a:ea typeface="Times New Roman" panose="02020603050405020304" pitchFamily="18" charset="0"/>
+                <a:cs typeface="Times New Roman" panose="02020603050405020304" pitchFamily="18" charset="0"/>
               </a:rPr>
               <a:t>XDS Submission Set</a:t>
             </a:r>
@@ -3512,7 +3551,8 @@
                 <a:schemeClr val="tx1"/>
               </a:solidFill>
               <a:effectLst/>
-              <a:latin typeface="Arial" panose="020B0604020202020204" pitchFamily="34" charset="0"/>
+              <a:latin typeface="Times New Roman" panose="02020603050405020304" pitchFamily="18" charset="0"/>
+              <a:cs typeface="Times New Roman" panose="02020603050405020304" pitchFamily="18" charset="0"/>
             </a:endParaRPr>
           </a:p>
         </p:txBody>
@@ -3584,8 +3624,9 @@
                   <a:schemeClr val="tx1"/>
                 </a:solidFill>
                 <a:effectLst/>
-                <a:latin typeface="Arial" panose="020B0604020202020204" pitchFamily="34" charset="0"/>
+                <a:latin typeface="Times New Roman" panose="02020603050405020304" pitchFamily="18" charset="0"/>
                 <a:ea typeface="Times New Roman" panose="02020603050405020304" pitchFamily="18" charset="0"/>
+                <a:cs typeface="Times New Roman" panose="02020603050405020304" pitchFamily="18" charset="0"/>
               </a:rPr>
               <a:t>XDS Folder</a:t>
             </a:r>
@@ -3597,7 +3638,8 @@
                 <a:schemeClr val="tx1"/>
               </a:solidFill>
               <a:effectLst/>
-              <a:latin typeface="Arial" panose="020B0604020202020204" pitchFamily="34" charset="0"/>
+              <a:latin typeface="Times New Roman" panose="02020603050405020304" pitchFamily="18" charset="0"/>
+              <a:cs typeface="Times New Roman" panose="02020603050405020304" pitchFamily="18" charset="0"/>
             </a:endParaRPr>
           </a:p>
         </p:txBody>
@@ -3669,8 +3711,9 @@
                   <a:schemeClr val="tx1"/>
                 </a:solidFill>
                 <a:effectLst/>
-                <a:latin typeface="Arial" panose="020B0604020202020204" pitchFamily="34" charset="0"/>
+                <a:latin typeface="Times New Roman" panose="02020603050405020304" pitchFamily="18" charset="0"/>
                 <a:ea typeface="Times New Roman" panose="02020603050405020304" pitchFamily="18" charset="0"/>
+                <a:cs typeface="Times New Roman" panose="02020603050405020304" pitchFamily="18" charset="0"/>
               </a:rPr>
               <a:t>Is associated with</a:t>
             </a:r>
@@ -3682,7 +3725,8 @@
                 <a:schemeClr val="tx1"/>
               </a:solidFill>
               <a:effectLst/>
-              <a:latin typeface="Arial" panose="020B0604020202020204" pitchFamily="34" charset="0"/>
+              <a:latin typeface="Times New Roman" panose="02020603050405020304" pitchFamily="18" charset="0"/>
+              <a:cs typeface="Times New Roman" panose="02020603050405020304" pitchFamily="18" charset="0"/>
             </a:endParaRPr>
           </a:p>
         </p:txBody>
@@ -3734,7 +3778,10 @@
           </a:bodyPr>
           <a:lstStyle/>
           <a:p>
-            <a:endParaRPr lang="en-US"/>
+            <a:endParaRPr lang="en-US">
+              <a:latin typeface="Times New Roman" panose="02020603050405020304" pitchFamily="18" charset="0"/>
+              <a:cs typeface="Times New Roman" panose="02020603050405020304" pitchFamily="18" charset="0"/>
+            </a:endParaRPr>
           </a:p>
         </p:txBody>
       </p:sp>
@@ -3785,7 +3832,10 @@
           </a:bodyPr>
           <a:lstStyle/>
           <a:p>
-            <a:endParaRPr lang="en-US"/>
+            <a:endParaRPr lang="en-US">
+              <a:latin typeface="Times New Roman" panose="02020603050405020304" pitchFamily="18" charset="0"/>
+              <a:cs typeface="Times New Roman" panose="02020603050405020304" pitchFamily="18" charset="0"/>
+            </a:endParaRPr>
           </a:p>
         </p:txBody>
       </p:sp>
@@ -3831,7 +3881,10 @@
           </a:bodyPr>
           <a:lstStyle/>
           <a:p>
-            <a:endParaRPr lang="en-US"/>
+            <a:endParaRPr lang="en-US">
+              <a:latin typeface="Times New Roman" panose="02020603050405020304" pitchFamily="18" charset="0"/>
+              <a:cs typeface="Times New Roman" panose="02020603050405020304" pitchFamily="18" charset="0"/>
+            </a:endParaRPr>
           </a:p>
         </p:txBody>
       </p:sp>
@@ -3882,7 +3935,10 @@
           </a:bodyPr>
           <a:lstStyle/>
           <a:p>
-            <a:endParaRPr lang="en-US"/>
+            <a:endParaRPr lang="en-US">
+              <a:latin typeface="Times New Roman" panose="02020603050405020304" pitchFamily="18" charset="0"/>
+              <a:cs typeface="Times New Roman" panose="02020603050405020304" pitchFamily="18" charset="0"/>
+            </a:endParaRPr>
           </a:p>
         </p:txBody>
       </p:sp>
@@ -3933,7 +3989,10 @@
           </a:bodyPr>
           <a:lstStyle/>
           <a:p>
-            <a:endParaRPr lang="en-US"/>
+            <a:endParaRPr lang="en-US">
+              <a:latin typeface="Times New Roman" panose="02020603050405020304" pitchFamily="18" charset="0"/>
+              <a:cs typeface="Times New Roman" panose="02020603050405020304" pitchFamily="18" charset="0"/>
+            </a:endParaRPr>
           </a:p>
         </p:txBody>
       </p:sp>
@@ -4004,8 +4063,9 @@
                   <a:schemeClr val="tx1"/>
                 </a:solidFill>
                 <a:effectLst/>
-                <a:latin typeface="Arial" panose="020B0604020202020204" pitchFamily="34" charset="0"/>
+                <a:latin typeface="Times New Roman" panose="02020603050405020304" pitchFamily="18" charset="0"/>
                 <a:ea typeface="Times New Roman" panose="02020603050405020304" pitchFamily="18" charset="0"/>
+                <a:cs typeface="Times New Roman" panose="02020603050405020304" pitchFamily="18" charset="0"/>
               </a:rPr>
               <a:t>References</a:t>
             </a:r>
@@ -4017,7 +4077,8 @@
                 <a:schemeClr val="tx1"/>
               </a:solidFill>
               <a:effectLst/>
-              <a:latin typeface="Arial" panose="020B0604020202020204" pitchFamily="34" charset="0"/>
+              <a:latin typeface="Times New Roman" panose="02020603050405020304" pitchFamily="18" charset="0"/>
+              <a:cs typeface="Times New Roman" panose="02020603050405020304" pitchFamily="18" charset="0"/>
             </a:endParaRPr>
           </a:p>
         </p:txBody>
@@ -4090,8 +4151,9 @@
                   <a:schemeClr val="tx1"/>
                 </a:solidFill>
                 <a:effectLst/>
-                <a:latin typeface="Arial" panose="020B0604020202020204" pitchFamily="34" charset="0"/>
+                <a:latin typeface="Times New Roman" panose="02020603050405020304" pitchFamily="18" charset="0"/>
                 <a:ea typeface="Times New Roman" panose="02020603050405020304" pitchFamily="18" charset="0"/>
+                <a:cs typeface="Times New Roman" panose="02020603050405020304" pitchFamily="18" charset="0"/>
               </a:rPr>
               <a:t>XDS Document in Repository</a:t>
             </a:r>
@@ -4103,7 +4165,8 @@
                 <a:schemeClr val="tx1"/>
               </a:solidFill>
               <a:effectLst/>
-              <a:latin typeface="Arial" panose="020B0604020202020204" pitchFamily="34" charset="0"/>
+              <a:latin typeface="Times New Roman" panose="02020603050405020304" pitchFamily="18" charset="0"/>
+              <a:cs typeface="Times New Roman" panose="02020603050405020304" pitchFamily="18" charset="0"/>
             </a:endParaRPr>
           </a:p>
         </p:txBody>
@@ -4155,7 +4218,10 @@
           </a:bodyPr>
           <a:lstStyle/>
           <a:p>
-            <a:endParaRPr lang="en-US"/>
+            <a:endParaRPr lang="en-US">
+              <a:latin typeface="Times New Roman" panose="02020603050405020304" pitchFamily="18" charset="0"/>
+              <a:cs typeface="Times New Roman" panose="02020603050405020304" pitchFamily="18" charset="0"/>
+            </a:endParaRPr>
           </a:p>
         </p:txBody>
       </p:sp>
@@ -4206,7 +4272,10 @@
           </a:bodyPr>
           <a:lstStyle/>
           <a:p>
-            <a:endParaRPr lang="en-US"/>
+            <a:endParaRPr lang="en-US">
+              <a:latin typeface="Times New Roman" panose="02020603050405020304" pitchFamily="18" charset="0"/>
+              <a:cs typeface="Times New Roman" panose="02020603050405020304" pitchFamily="18" charset="0"/>
+            </a:endParaRPr>
           </a:p>
         </p:txBody>
       </p:sp>
@@ -4289,8 +4358,9 @@
                   <a:schemeClr val="tx1"/>
                 </a:solidFill>
                 <a:effectLst/>
-                <a:latin typeface="Arial" panose="020B0604020202020204" pitchFamily="34" charset="0"/>
+                <a:latin typeface="Times New Roman" panose="02020603050405020304" pitchFamily="18" charset="0"/>
                 <a:ea typeface="Times New Roman" panose="02020603050405020304" pitchFamily="18" charset="0"/>
+                <a:cs typeface="Times New Roman" panose="02020603050405020304" pitchFamily="18" charset="0"/>
               </a:rPr>
               <a:t>1-n</a:t>
             </a:r>
@@ -4302,7 +4372,8 @@
                 <a:schemeClr val="tx1"/>
               </a:solidFill>
               <a:effectLst/>
-              <a:latin typeface="Arial" panose="020B0604020202020204" pitchFamily="34" charset="0"/>
+              <a:latin typeface="Times New Roman" panose="02020603050405020304" pitchFamily="18" charset="0"/>
+              <a:cs typeface="Times New Roman" panose="02020603050405020304" pitchFamily="18" charset="0"/>
             </a:endParaRPr>
           </a:p>
         </p:txBody>
@@ -4386,8 +4457,9 @@
                   <a:schemeClr val="tx1"/>
                 </a:solidFill>
                 <a:effectLst/>
-                <a:latin typeface="Arial" panose="020B0604020202020204" pitchFamily="34" charset="0"/>
+                <a:latin typeface="Times New Roman" panose="02020603050405020304" pitchFamily="18" charset="0"/>
                 <a:ea typeface="Times New Roman" panose="02020603050405020304" pitchFamily="18" charset="0"/>
+                <a:cs typeface="Times New Roman" panose="02020603050405020304" pitchFamily="18" charset="0"/>
               </a:rPr>
               <a:t>1</a:t>
             </a:r>
@@ -4399,7 +4471,8 @@
                 <a:schemeClr val="tx1"/>
               </a:solidFill>
               <a:effectLst/>
-              <a:latin typeface="Arial" panose="020B0604020202020204" pitchFamily="34" charset="0"/>
+              <a:latin typeface="Times New Roman" panose="02020603050405020304" pitchFamily="18" charset="0"/>
+              <a:cs typeface="Times New Roman" panose="02020603050405020304" pitchFamily="18" charset="0"/>
             </a:endParaRPr>
           </a:p>
         </p:txBody>
@@ -4483,8 +4556,9 @@
                   <a:schemeClr val="tx1"/>
                 </a:solidFill>
                 <a:effectLst/>
-                <a:latin typeface="Arial" panose="020B0604020202020204" pitchFamily="34" charset="0"/>
+                <a:latin typeface="Times New Roman" panose="02020603050405020304" pitchFamily="18" charset="0"/>
                 <a:ea typeface="Times New Roman" panose="02020603050405020304" pitchFamily="18" charset="0"/>
+                <a:cs typeface="Times New Roman" panose="02020603050405020304" pitchFamily="18" charset="0"/>
               </a:rPr>
               <a:t>0-n</a:t>
             </a:r>
@@ -4496,7 +4570,8 @@
                 <a:schemeClr val="tx1"/>
               </a:solidFill>
               <a:effectLst/>
-              <a:latin typeface="Arial" panose="020B0604020202020204" pitchFamily="34" charset="0"/>
+              <a:latin typeface="Times New Roman" panose="02020603050405020304" pitchFamily="18" charset="0"/>
+              <a:cs typeface="Times New Roman" panose="02020603050405020304" pitchFamily="18" charset="0"/>
             </a:endParaRPr>
           </a:p>
         </p:txBody>
@@ -4580,8 +4655,9 @@
                   <a:schemeClr val="tx1"/>
                 </a:solidFill>
                 <a:effectLst/>
-                <a:latin typeface="Arial" panose="020B0604020202020204" pitchFamily="34" charset="0"/>
+                <a:latin typeface="Times New Roman" panose="02020603050405020304" pitchFamily="18" charset="0"/>
                 <a:ea typeface="Times New Roman" panose="02020603050405020304" pitchFamily="18" charset="0"/>
+                <a:cs typeface="Times New Roman" panose="02020603050405020304" pitchFamily="18" charset="0"/>
               </a:rPr>
               <a:t>1</a:t>
             </a:r>
@@ -4593,7 +4669,8 @@
                 <a:schemeClr val="tx1"/>
               </a:solidFill>
               <a:effectLst/>
-              <a:latin typeface="Arial" panose="020B0604020202020204" pitchFamily="34" charset="0"/>
+              <a:latin typeface="Times New Roman" panose="02020603050405020304" pitchFamily="18" charset="0"/>
+              <a:cs typeface="Times New Roman" panose="02020603050405020304" pitchFamily="18" charset="0"/>
             </a:endParaRPr>
           </a:p>
         </p:txBody>
@@ -4677,8 +4754,9 @@
                   <a:schemeClr val="tx1"/>
                 </a:solidFill>
                 <a:effectLst/>
-                <a:latin typeface="Arial" panose="020B0604020202020204" pitchFamily="34" charset="0"/>
+                <a:latin typeface="Times New Roman" panose="02020603050405020304" pitchFamily="18" charset="0"/>
                 <a:ea typeface="Times New Roman" panose="02020603050405020304" pitchFamily="18" charset="0"/>
+                <a:cs typeface="Times New Roman" panose="02020603050405020304" pitchFamily="18" charset="0"/>
               </a:rPr>
               <a:t>1</a:t>
             </a:r>
@@ -4690,7 +4768,8 @@
                 <a:schemeClr val="tx1"/>
               </a:solidFill>
               <a:effectLst/>
-              <a:latin typeface="Arial" panose="020B0604020202020204" pitchFamily="34" charset="0"/>
+              <a:latin typeface="Times New Roman" panose="02020603050405020304" pitchFamily="18" charset="0"/>
+              <a:cs typeface="Times New Roman" panose="02020603050405020304" pitchFamily="18" charset="0"/>
             </a:endParaRPr>
           </a:p>
         </p:txBody>
@@ -4774,8 +4853,9 @@
                   <a:schemeClr val="tx1"/>
                 </a:solidFill>
                 <a:effectLst/>
-                <a:latin typeface="Arial" panose="020B0604020202020204" pitchFamily="34" charset="0"/>
+                <a:latin typeface="Times New Roman" panose="02020603050405020304" pitchFamily="18" charset="0"/>
                 <a:ea typeface="Times New Roman" panose="02020603050405020304" pitchFamily="18" charset="0"/>
+                <a:cs typeface="Times New Roman" panose="02020603050405020304" pitchFamily="18" charset="0"/>
               </a:rPr>
               <a:t>1</a:t>
             </a:r>
@@ -4787,7 +4867,8 @@
                 <a:schemeClr val="tx1"/>
               </a:solidFill>
               <a:effectLst/>
-              <a:latin typeface="Arial" panose="020B0604020202020204" pitchFamily="34" charset="0"/>
+              <a:latin typeface="Times New Roman" panose="02020603050405020304" pitchFamily="18" charset="0"/>
+              <a:cs typeface="Times New Roman" panose="02020603050405020304" pitchFamily="18" charset="0"/>
             </a:endParaRPr>
           </a:p>
         </p:txBody>
@@ -4859,8 +4940,9 @@
                   <a:schemeClr val="tx1"/>
                 </a:solidFill>
                 <a:effectLst/>
-                <a:latin typeface="Arial" panose="020B0604020202020204" pitchFamily="34" charset="0"/>
+                <a:latin typeface="Times New Roman" panose="02020603050405020304" pitchFamily="18" charset="0"/>
                 <a:ea typeface="Times New Roman" panose="02020603050405020304" pitchFamily="18" charset="0"/>
+                <a:cs typeface="Times New Roman" panose="02020603050405020304" pitchFamily="18" charset="0"/>
               </a:rPr>
               <a:t>Belongs to</a:t>
             </a:r>
@@ -4872,7 +4954,8 @@
                 <a:schemeClr val="tx1"/>
               </a:solidFill>
               <a:effectLst/>
-              <a:latin typeface="Arial" panose="020B0604020202020204" pitchFamily="34" charset="0"/>
+              <a:latin typeface="Times New Roman" panose="02020603050405020304" pitchFamily="18" charset="0"/>
+              <a:cs typeface="Times New Roman" panose="02020603050405020304" pitchFamily="18" charset="0"/>
             </a:endParaRPr>
           </a:p>
         </p:txBody>
@@ -4945,8 +5028,9 @@
                   <a:schemeClr val="tx1"/>
                 </a:solidFill>
                 <a:effectLst/>
-                <a:latin typeface="Arial" panose="020B0604020202020204" pitchFamily="34" charset="0"/>
+                <a:latin typeface="Times New Roman" panose="02020603050405020304" pitchFamily="18" charset="0"/>
                 <a:ea typeface="Times New Roman" panose="02020603050405020304" pitchFamily="18" charset="0"/>
+                <a:cs typeface="Times New Roman" panose="02020603050405020304" pitchFamily="18" charset="0"/>
               </a:rPr>
               <a:t>Local [EHR-CR] Patient</a:t>
             </a:r>
@@ -4958,7 +5042,8 @@
                 <a:schemeClr val="tx1"/>
               </a:solidFill>
               <a:effectLst/>
-              <a:latin typeface="Arial" panose="020B0604020202020204" pitchFamily="34" charset="0"/>
+              <a:latin typeface="Times New Roman" panose="02020603050405020304" pitchFamily="18" charset="0"/>
+              <a:cs typeface="Times New Roman" panose="02020603050405020304" pitchFamily="18" charset="0"/>
             </a:endParaRPr>
           </a:p>
           <a:p>
@@ -4987,8 +5072,9 @@
                   <a:schemeClr val="tx1"/>
                 </a:solidFill>
                 <a:effectLst/>
-                <a:latin typeface="Arial" panose="020B0604020202020204" pitchFamily="34" charset="0"/>
+                <a:latin typeface="Times New Roman" panose="02020603050405020304" pitchFamily="18" charset="0"/>
                 <a:ea typeface="Times New Roman" panose="02020603050405020304" pitchFamily="18" charset="0"/>
+                <a:cs typeface="Times New Roman" panose="02020603050405020304" pitchFamily="18" charset="0"/>
               </a:rPr>
               <a:t>At the time of submission</a:t>
             </a:r>
@@ -5000,7 +5086,8 @@
                 <a:schemeClr val="tx1"/>
               </a:solidFill>
               <a:effectLst/>
-              <a:latin typeface="Arial" panose="020B0604020202020204" pitchFamily="34" charset="0"/>
+              <a:latin typeface="Times New Roman" panose="02020603050405020304" pitchFamily="18" charset="0"/>
+              <a:cs typeface="Times New Roman" panose="02020603050405020304" pitchFamily="18" charset="0"/>
             </a:endParaRPr>
           </a:p>
         </p:txBody>
@@ -5052,7 +5139,10 @@
           </a:bodyPr>
           <a:lstStyle/>
           <a:p>
-            <a:endParaRPr lang="en-US"/>
+            <a:endParaRPr lang="en-US">
+              <a:latin typeface="Times New Roman" panose="02020603050405020304" pitchFamily="18" charset="0"/>
+              <a:cs typeface="Times New Roman" panose="02020603050405020304" pitchFamily="18" charset="0"/>
+            </a:endParaRPr>
           </a:p>
         </p:txBody>
       </p:sp>
@@ -5135,8 +5225,9 @@
                   <a:schemeClr val="tx1"/>
                 </a:solidFill>
                 <a:effectLst/>
-                <a:latin typeface="Arial" panose="020B0604020202020204" pitchFamily="34" charset="0"/>
+                <a:latin typeface="Times New Roman" panose="02020603050405020304" pitchFamily="18" charset="0"/>
                 <a:ea typeface="Times New Roman" panose="02020603050405020304" pitchFamily="18" charset="0"/>
+                <a:cs typeface="Times New Roman" panose="02020603050405020304" pitchFamily="18" charset="0"/>
               </a:rPr>
               <a:t>1</a:t>
             </a:r>
@@ -5148,7 +5239,8 @@
                 <a:schemeClr val="tx1"/>
               </a:solidFill>
               <a:effectLst/>
-              <a:latin typeface="Arial" panose="020B0604020202020204" pitchFamily="34" charset="0"/>
+              <a:latin typeface="Times New Roman" panose="02020603050405020304" pitchFamily="18" charset="0"/>
+              <a:cs typeface="Times New Roman" panose="02020603050405020304" pitchFamily="18" charset="0"/>
             </a:endParaRPr>
           </a:p>
         </p:txBody>
@@ -5232,8 +5324,9 @@
                   <a:schemeClr val="tx1"/>
                 </a:solidFill>
                 <a:effectLst/>
-                <a:latin typeface="Arial" panose="020B0604020202020204" pitchFamily="34" charset="0"/>
+                <a:latin typeface="Times New Roman" panose="02020603050405020304" pitchFamily="18" charset="0"/>
                 <a:ea typeface="Times New Roman" panose="02020603050405020304" pitchFamily="18" charset="0"/>
+                <a:cs typeface="Times New Roman" panose="02020603050405020304" pitchFamily="18" charset="0"/>
               </a:rPr>
               <a:t>1</a:t>
             </a:r>
@@ -5245,7 +5338,8 @@
                 <a:schemeClr val="tx1"/>
               </a:solidFill>
               <a:effectLst/>
-              <a:latin typeface="Arial" panose="020B0604020202020204" pitchFamily="34" charset="0"/>
+              <a:latin typeface="Times New Roman" panose="02020603050405020304" pitchFamily="18" charset="0"/>
+              <a:cs typeface="Times New Roman" panose="02020603050405020304" pitchFamily="18" charset="0"/>
             </a:endParaRPr>
           </a:p>
         </p:txBody>
@@ -5329,8 +5423,9 @@
                   <a:schemeClr val="tx1"/>
                 </a:solidFill>
                 <a:effectLst/>
-                <a:latin typeface="Arial" panose="020B0604020202020204" pitchFamily="34" charset="0"/>
+                <a:latin typeface="Times New Roman" panose="02020603050405020304" pitchFamily="18" charset="0"/>
                 <a:ea typeface="Times New Roman" panose="02020603050405020304" pitchFamily="18" charset="0"/>
+                <a:cs typeface="Times New Roman" panose="02020603050405020304" pitchFamily="18" charset="0"/>
               </a:rPr>
               <a:t>References</a:t>
             </a:r>
@@ -5342,7 +5437,8 @@
                 <a:schemeClr val="tx1"/>
               </a:solidFill>
               <a:effectLst/>
-              <a:latin typeface="Arial" panose="020B0604020202020204" pitchFamily="34" charset="0"/>
+              <a:latin typeface="Times New Roman" panose="02020603050405020304" pitchFamily="18" charset="0"/>
+              <a:cs typeface="Times New Roman" panose="02020603050405020304" pitchFamily="18" charset="0"/>
             </a:endParaRPr>
           </a:p>
         </p:txBody>
@@ -5389,7 +5485,10 @@
           </a:bodyPr>
           <a:lstStyle/>
           <a:p>
-            <a:endParaRPr lang="en-US"/>
+            <a:endParaRPr lang="en-US">
+              <a:latin typeface="Times New Roman" panose="02020603050405020304" pitchFamily="18" charset="0"/>
+              <a:cs typeface="Times New Roman" panose="02020603050405020304" pitchFamily="18" charset="0"/>
+            </a:endParaRPr>
           </a:p>
         </p:txBody>
       </p:sp>
@@ -5440,7 +5539,10 @@
           </a:bodyPr>
           <a:lstStyle/>
           <a:p>
-            <a:endParaRPr lang="en-US"/>
+            <a:endParaRPr lang="en-US">
+              <a:latin typeface="Times New Roman" panose="02020603050405020304" pitchFamily="18" charset="0"/>
+              <a:cs typeface="Times New Roman" panose="02020603050405020304" pitchFamily="18" charset="0"/>
+            </a:endParaRPr>
           </a:p>
         </p:txBody>
       </p:sp>
@@ -5491,7 +5593,10 @@
           </a:bodyPr>
           <a:lstStyle/>
           <a:p>
-            <a:endParaRPr lang="en-US"/>
+            <a:endParaRPr lang="en-US">
+              <a:latin typeface="Times New Roman" panose="02020603050405020304" pitchFamily="18" charset="0"/>
+              <a:cs typeface="Times New Roman" panose="02020603050405020304" pitchFamily="18" charset="0"/>
+            </a:endParaRPr>
           </a:p>
         </p:txBody>
       </p:sp>
@@ -5574,8 +5679,9 @@
                   <a:schemeClr val="tx1"/>
                 </a:solidFill>
                 <a:effectLst/>
-                <a:latin typeface="Arial" panose="020B0604020202020204" pitchFamily="34" charset="0"/>
+                <a:latin typeface="Times New Roman" panose="02020603050405020304" pitchFamily="18" charset="0"/>
                 <a:ea typeface="Times New Roman" panose="02020603050405020304" pitchFamily="18" charset="0"/>
+                <a:cs typeface="Times New Roman" panose="02020603050405020304" pitchFamily="18" charset="0"/>
               </a:rPr>
               <a:t>1</a:t>
             </a:r>
@@ -5587,7 +5693,8 @@
                 <a:schemeClr val="tx1"/>
               </a:solidFill>
               <a:effectLst/>
-              <a:latin typeface="Arial" panose="020B0604020202020204" pitchFamily="34" charset="0"/>
+              <a:latin typeface="Times New Roman" panose="02020603050405020304" pitchFamily="18" charset="0"/>
+              <a:cs typeface="Times New Roman" panose="02020603050405020304" pitchFamily="18" charset="0"/>
             </a:endParaRPr>
           </a:p>
         </p:txBody>
@@ -5671,8 +5778,9 @@
                   <a:schemeClr val="tx1"/>
                 </a:solidFill>
                 <a:effectLst/>
-                <a:latin typeface="Arial" panose="020B0604020202020204" pitchFamily="34" charset="0"/>
+                <a:latin typeface="Times New Roman" panose="02020603050405020304" pitchFamily="18" charset="0"/>
                 <a:ea typeface="Times New Roman" panose="02020603050405020304" pitchFamily="18" charset="0"/>
+                <a:cs typeface="Times New Roman" panose="02020603050405020304" pitchFamily="18" charset="0"/>
               </a:rPr>
               <a:t>1</a:t>
             </a:r>
@@ -5684,7 +5792,8 @@
                 <a:schemeClr val="tx1"/>
               </a:solidFill>
               <a:effectLst/>
-              <a:latin typeface="Arial" panose="020B0604020202020204" pitchFamily="34" charset="0"/>
+              <a:latin typeface="Times New Roman" panose="02020603050405020304" pitchFamily="18" charset="0"/>
+              <a:cs typeface="Times New Roman" panose="02020603050405020304" pitchFamily="18" charset="0"/>
             </a:endParaRPr>
           </a:p>
         </p:txBody>
@@ -5768,8 +5877,9 @@
                   <a:schemeClr val="tx1"/>
                 </a:solidFill>
                 <a:effectLst/>
-                <a:latin typeface="Arial" panose="020B0604020202020204" pitchFamily="34" charset="0"/>
+                <a:latin typeface="Times New Roman" panose="02020603050405020304" pitchFamily="18" charset="0"/>
                 <a:ea typeface="Times New Roman" panose="02020603050405020304" pitchFamily="18" charset="0"/>
+                <a:cs typeface="Times New Roman" panose="02020603050405020304" pitchFamily="18" charset="0"/>
               </a:rPr>
               <a:t>Was initially submitted in</a:t>
             </a:r>
@@ -5781,7 +5891,8 @@
                 <a:schemeClr val="tx1"/>
               </a:solidFill>
               <a:effectLst/>
-              <a:latin typeface="Arial" panose="020B0604020202020204" pitchFamily="34" charset="0"/>
+              <a:latin typeface="Times New Roman" panose="02020603050405020304" pitchFamily="18" charset="0"/>
+              <a:cs typeface="Times New Roman" panose="02020603050405020304" pitchFamily="18" charset="0"/>
             </a:endParaRPr>
           </a:p>
         </p:txBody>
@@ -5828,7 +5939,10 @@
           </a:bodyPr>
           <a:lstStyle/>
           <a:p>
-            <a:endParaRPr lang="en-US"/>
+            <a:endParaRPr lang="en-US">
+              <a:latin typeface="Times New Roman" panose="02020603050405020304" pitchFamily="18" charset="0"/>
+              <a:cs typeface="Times New Roman" panose="02020603050405020304" pitchFamily="18" charset="0"/>
+            </a:endParaRPr>
           </a:p>
         </p:txBody>
       </p:sp>
@@ -5911,8 +6025,9 @@
                   <a:schemeClr val="tx1"/>
                 </a:solidFill>
                 <a:effectLst/>
-                <a:latin typeface="Arial" panose="020B0604020202020204" pitchFamily="34" charset="0"/>
+                <a:latin typeface="Times New Roman" panose="02020603050405020304" pitchFamily="18" charset="0"/>
                 <a:ea typeface="Times New Roman" panose="02020603050405020304" pitchFamily="18" charset="0"/>
+                <a:cs typeface="Times New Roman" panose="02020603050405020304" pitchFamily="18" charset="0"/>
               </a:rPr>
               <a:t>Was submitted</a:t>
             </a:r>
@@ -5925,8 +6040,9 @@
                   <a:schemeClr val="tx1"/>
                 </a:solidFill>
                 <a:effectLst/>
-                <a:latin typeface="Arial" panose="020B0604020202020204" pitchFamily="34" charset="0"/>
+                <a:latin typeface="Times New Roman" panose="02020603050405020304" pitchFamily="18" charset="0"/>
                 <a:ea typeface="Times New Roman" panose="02020603050405020304" pitchFamily="18" charset="0"/>
+                <a:cs typeface="Times New Roman" panose="02020603050405020304" pitchFamily="18" charset="0"/>
               </a:rPr>
             </a:br>
             <a:r>
@@ -5938,8 +6054,9 @@
                   <a:schemeClr val="tx1"/>
                 </a:solidFill>
                 <a:effectLst/>
-                <a:latin typeface="Arial" panose="020B0604020202020204" pitchFamily="34" charset="0"/>
+                <a:latin typeface="Times New Roman" panose="02020603050405020304" pitchFamily="18" charset="0"/>
                 <a:ea typeface="Times New Roman" panose="02020603050405020304" pitchFamily="18" charset="0"/>
+                <a:cs typeface="Times New Roman" panose="02020603050405020304" pitchFamily="18" charset="0"/>
               </a:rPr>
               <a:t>for</a:t>
             </a:r>
@@ -5951,7 +6068,8 @@
                 <a:schemeClr val="tx1"/>
               </a:solidFill>
               <a:effectLst/>
-              <a:latin typeface="Arial" panose="020B0604020202020204" pitchFamily="34" charset="0"/>
+              <a:latin typeface="Times New Roman" panose="02020603050405020304" pitchFamily="18" charset="0"/>
+              <a:cs typeface="Times New Roman" panose="02020603050405020304" pitchFamily="18" charset="0"/>
             </a:endParaRPr>
           </a:p>
         </p:txBody>
@@ -6042,7 +6160,10 @@
           </a:bodyPr>
           <a:lstStyle/>
           <a:p>
-            <a:endParaRPr lang="en-US"/>
+            <a:endParaRPr lang="en-US">
+              <a:latin typeface="Times New Roman" panose="02020603050405020304" pitchFamily="18" charset="0"/>
+              <a:cs typeface="Times New Roman" panose="02020603050405020304" pitchFamily="18" charset="0"/>
+            </a:endParaRPr>
           </a:p>
         </p:txBody>
       </p:sp>
@@ -6132,7 +6253,10 @@
           </a:bodyPr>
           <a:lstStyle/>
           <a:p>
-            <a:endParaRPr lang="en-US"/>
+            <a:endParaRPr lang="en-US">
+              <a:latin typeface="Times New Roman" panose="02020603050405020304" pitchFamily="18" charset="0"/>
+              <a:cs typeface="Times New Roman" panose="02020603050405020304" pitchFamily="18" charset="0"/>
+            </a:endParaRPr>
           </a:p>
         </p:txBody>
       </p:sp>
@@ -6222,7 +6346,10 @@
           </a:bodyPr>
           <a:lstStyle/>
           <a:p>
-            <a:endParaRPr lang="en-US"/>
+            <a:endParaRPr lang="en-US">
+              <a:latin typeface="Times New Roman" panose="02020603050405020304" pitchFamily="18" charset="0"/>
+              <a:cs typeface="Times New Roman" panose="02020603050405020304" pitchFamily="18" charset="0"/>
+            </a:endParaRPr>
           </a:p>
         </p:txBody>
       </p:sp>
@@ -6294,8 +6421,9 @@
                   <a:schemeClr val="tx1"/>
                 </a:solidFill>
                 <a:effectLst/>
-                <a:latin typeface="Arial" panose="020B0604020202020204" pitchFamily="34" charset="0"/>
+                <a:latin typeface="Times New Roman" panose="02020603050405020304" pitchFamily="18" charset="0"/>
                 <a:ea typeface="Times New Roman" panose="02020603050405020304" pitchFamily="18" charset="0"/>
+                <a:cs typeface="Times New Roman" panose="02020603050405020304" pitchFamily="18" charset="0"/>
               </a:rPr>
               <a:t>Clinical Affinity Domain [EHR LR] Patient</a:t>
             </a:r>
@@ -6307,7 +6435,8 @@
                 <a:schemeClr val="tx1"/>
               </a:solidFill>
               <a:effectLst/>
-              <a:latin typeface="Arial" panose="020B0604020202020204" pitchFamily="34" charset="0"/>
+              <a:latin typeface="Times New Roman" panose="02020603050405020304" pitchFamily="18" charset="0"/>
+              <a:cs typeface="Times New Roman" panose="02020603050405020304" pitchFamily="18" charset="0"/>
             </a:endParaRPr>
           </a:p>
         </p:txBody>
@@ -6391,8 +6520,9 @@
                   <a:schemeClr val="tx1"/>
                 </a:solidFill>
                 <a:effectLst/>
-                <a:latin typeface="Arial" panose="020B0604020202020204" pitchFamily="34" charset="0"/>
+                <a:latin typeface="Times New Roman" panose="02020603050405020304" pitchFamily="18" charset="0"/>
                 <a:ea typeface="Times New Roman" panose="02020603050405020304" pitchFamily="18" charset="0"/>
+                <a:cs typeface="Times New Roman" panose="02020603050405020304" pitchFamily="18" charset="0"/>
               </a:rPr>
               <a:t>1</a:t>
             </a:r>
@@ -6404,7 +6534,8 @@
                 <a:schemeClr val="tx1"/>
               </a:solidFill>
               <a:effectLst/>
-              <a:latin typeface="Arial" panose="020B0604020202020204" pitchFamily="34" charset="0"/>
+              <a:latin typeface="Times New Roman" panose="02020603050405020304" pitchFamily="18" charset="0"/>
+              <a:cs typeface="Times New Roman" panose="02020603050405020304" pitchFamily="18" charset="0"/>
             </a:endParaRPr>
           </a:p>
         </p:txBody>
@@ -6488,8 +6619,9 @@
                   <a:schemeClr val="tx1"/>
                 </a:solidFill>
                 <a:effectLst/>
-                <a:latin typeface="Arial" panose="020B0604020202020204" pitchFamily="34" charset="0"/>
+                <a:latin typeface="Times New Roman" panose="02020603050405020304" pitchFamily="18" charset="0"/>
                 <a:ea typeface="Times New Roman" panose="02020603050405020304" pitchFamily="18" charset="0"/>
+                <a:cs typeface="Times New Roman" panose="02020603050405020304" pitchFamily="18" charset="0"/>
               </a:rPr>
               <a:t>1</a:t>
             </a:r>
@@ -6501,7 +6633,8 @@
                 <a:schemeClr val="tx1"/>
               </a:solidFill>
               <a:effectLst/>
-              <a:latin typeface="Arial" panose="020B0604020202020204" pitchFamily="34" charset="0"/>
+              <a:latin typeface="Times New Roman" panose="02020603050405020304" pitchFamily="18" charset="0"/>
+              <a:cs typeface="Times New Roman" panose="02020603050405020304" pitchFamily="18" charset="0"/>
             </a:endParaRPr>
           </a:p>
         </p:txBody>
@@ -6548,7 +6681,10 @@
           </a:bodyPr>
           <a:lstStyle/>
           <a:p>
-            <a:endParaRPr lang="en-US"/>
+            <a:endParaRPr lang="en-US">
+              <a:latin typeface="Times New Roman" panose="02020603050405020304" pitchFamily="18" charset="0"/>
+              <a:cs typeface="Times New Roman" panose="02020603050405020304" pitchFamily="18" charset="0"/>
+            </a:endParaRPr>
           </a:p>
         </p:txBody>
       </p:sp>
@@ -6599,7 +6735,10 @@
           </a:bodyPr>
           <a:lstStyle/>
           <a:p>
-            <a:endParaRPr lang="en-US"/>
+            <a:endParaRPr lang="en-US">
+              <a:latin typeface="Times New Roman" panose="02020603050405020304" pitchFamily="18" charset="0"/>
+              <a:cs typeface="Times New Roman" panose="02020603050405020304" pitchFamily="18" charset="0"/>
+            </a:endParaRPr>
           </a:p>
         </p:txBody>
       </p:sp>
@@ -6650,7 +6789,10 @@
           </a:bodyPr>
           <a:lstStyle/>
           <a:p>
-            <a:endParaRPr lang="en-US"/>
+            <a:endParaRPr lang="en-US">
+              <a:latin typeface="Times New Roman" panose="02020603050405020304" pitchFamily="18" charset="0"/>
+              <a:cs typeface="Times New Roman" panose="02020603050405020304" pitchFamily="18" charset="0"/>
+            </a:endParaRPr>
           </a:p>
         </p:txBody>
       </p:sp>
@@ -6733,8 +6875,9 @@
                   <a:schemeClr val="tx1"/>
                 </a:solidFill>
                 <a:effectLst/>
-                <a:latin typeface="Arial" panose="020B0604020202020204" pitchFamily="34" charset="0"/>
+                <a:latin typeface="Times New Roman" panose="02020603050405020304" pitchFamily="18" charset="0"/>
                 <a:ea typeface="Times New Roman" panose="02020603050405020304" pitchFamily="18" charset="0"/>
+                <a:cs typeface="Times New Roman" panose="02020603050405020304" pitchFamily="18" charset="0"/>
               </a:rPr>
               <a:t>1</a:t>
             </a:r>
@@ -6746,7 +6889,8 @@
                 <a:schemeClr val="tx1"/>
               </a:solidFill>
               <a:effectLst/>
-              <a:latin typeface="Arial" panose="020B0604020202020204" pitchFamily="34" charset="0"/>
+              <a:latin typeface="Times New Roman" panose="02020603050405020304" pitchFamily="18" charset="0"/>
+              <a:cs typeface="Times New Roman" panose="02020603050405020304" pitchFamily="18" charset="0"/>
             </a:endParaRPr>
           </a:p>
         </p:txBody>
@@ -6830,8 +6974,9 @@
                   <a:schemeClr val="tx1"/>
                 </a:solidFill>
                 <a:effectLst/>
-                <a:latin typeface="Arial" panose="020B0604020202020204" pitchFamily="34" charset="0"/>
+                <a:latin typeface="Times New Roman" panose="02020603050405020304" pitchFamily="18" charset="0"/>
                 <a:ea typeface="Times New Roman" panose="02020603050405020304" pitchFamily="18" charset="0"/>
+                <a:cs typeface="Times New Roman" panose="02020603050405020304" pitchFamily="18" charset="0"/>
               </a:rPr>
               <a:t>1</a:t>
             </a:r>
@@ -6843,7 +6988,8 @@
                 <a:schemeClr val="tx1"/>
               </a:solidFill>
               <a:effectLst/>
-              <a:latin typeface="Arial" panose="020B0604020202020204" pitchFamily="34" charset="0"/>
+              <a:latin typeface="Times New Roman" panose="02020603050405020304" pitchFamily="18" charset="0"/>
+              <a:cs typeface="Times New Roman" panose="02020603050405020304" pitchFamily="18" charset="0"/>
             </a:endParaRPr>
           </a:p>
         </p:txBody>
@@ -6927,8 +7073,9 @@
                   <a:schemeClr val="tx1"/>
                 </a:solidFill>
                 <a:effectLst/>
-                <a:latin typeface="Arial" panose="020B0604020202020204" pitchFamily="34" charset="0"/>
+                <a:latin typeface="Times New Roman" panose="02020603050405020304" pitchFamily="18" charset="0"/>
                 <a:ea typeface="Times New Roman" panose="02020603050405020304" pitchFamily="18" charset="0"/>
+                <a:cs typeface="Times New Roman" panose="02020603050405020304" pitchFamily="18" charset="0"/>
               </a:rPr>
               <a:t>Was initially submitted in</a:t>
             </a:r>
@@ -6940,7 +7087,8 @@
                 <a:schemeClr val="tx1"/>
               </a:solidFill>
               <a:effectLst/>
-              <a:latin typeface="Arial" panose="020B0604020202020204" pitchFamily="34" charset="0"/>
+              <a:latin typeface="Times New Roman" panose="02020603050405020304" pitchFamily="18" charset="0"/>
+              <a:cs typeface="Times New Roman" panose="02020603050405020304" pitchFamily="18" charset="0"/>
             </a:endParaRPr>
           </a:p>
         </p:txBody>
@@ -6992,7 +7140,10 @@
           </a:bodyPr>
           <a:lstStyle/>
           <a:p>
-            <a:endParaRPr lang="en-US"/>
+            <a:endParaRPr lang="en-US">
+              <a:latin typeface="Times New Roman" panose="02020603050405020304" pitchFamily="18" charset="0"/>
+              <a:cs typeface="Times New Roman" panose="02020603050405020304" pitchFamily="18" charset="0"/>
+            </a:endParaRPr>
           </a:p>
         </p:txBody>
       </p:sp>
